--- a/ppt 16-9/0685.唱诗我有力量.pptx
+++ b/ppt 16-9/0685.唱诗我有力量.pptx
@@ -129,7 +129,7 @@
           <p:cNvPr id="2" name="标题 1">
             <a:extLst>
               <a:ext uri="{FF2B5EF4-FFF2-40B4-BE49-F238E27FC236}">
-                <a16:creationId xmlns:a16="http://schemas.microsoft.com/office/drawing/2014/main" id="{0301693E-5D87-55F0-7A83-584946C1D43F}"/>
+                <a16:creationId xmlns:a16="http://schemas.microsoft.com/office/drawing/2014/main" id="{4DEBDA84-AD9E-5C88-04DA-A5CBAA083298}"/>
               </a:ext>
             </a:extLst>
           </p:cNvPr>
@@ -166,7 +166,7 @@
           <p:cNvPr id="3" name="副标题 2">
             <a:extLst>
               <a:ext uri="{FF2B5EF4-FFF2-40B4-BE49-F238E27FC236}">
-                <a16:creationId xmlns:a16="http://schemas.microsoft.com/office/drawing/2014/main" id="{372CDA3E-F048-8225-AEF4-461611112F9C}"/>
+                <a16:creationId xmlns:a16="http://schemas.microsoft.com/office/drawing/2014/main" id="{8C9707B2-E768-1608-219D-A47DB50DE0FD}"/>
               </a:ext>
             </a:extLst>
           </p:cNvPr>
@@ -236,7 +236,7 @@
           <p:cNvPr id="4" name="日期占位符 3">
             <a:extLst>
               <a:ext uri="{FF2B5EF4-FFF2-40B4-BE49-F238E27FC236}">
-                <a16:creationId xmlns:a16="http://schemas.microsoft.com/office/drawing/2014/main" id="{9458555D-40E1-D703-9898-4B6CFA5F1031}"/>
+                <a16:creationId xmlns:a16="http://schemas.microsoft.com/office/drawing/2014/main" id="{31AFBB30-230F-A366-71F5-EA4C9C5CB647}"/>
               </a:ext>
             </a:extLst>
           </p:cNvPr>
@@ -252,7 +252,7 @@
           <a:bodyPr/>
           <a:lstStyle/>
           <a:p>
-            <a:fld id="{273CDDEA-A94A-45D9-8272-491B3F8493FF}" type="datetimeFigureOut">
+            <a:fld id="{208327B2-0992-445C-AE4E-EE1C6A118904}" type="datetimeFigureOut">
               <a:rPr lang="zh-CN" altLang="en-US" smtClean="0"/>
               <a:t>2024/3/10</a:t>
             </a:fld>
@@ -265,7 +265,7 @@
           <p:cNvPr id="5" name="页脚占位符 4">
             <a:extLst>
               <a:ext uri="{FF2B5EF4-FFF2-40B4-BE49-F238E27FC236}">
-                <a16:creationId xmlns:a16="http://schemas.microsoft.com/office/drawing/2014/main" id="{CC75252A-4E0B-AA78-129F-B50702531FC6}"/>
+                <a16:creationId xmlns:a16="http://schemas.microsoft.com/office/drawing/2014/main" id="{FE011A02-B9CD-9ED5-46D4-B90241B1A68D}"/>
               </a:ext>
             </a:extLst>
           </p:cNvPr>
@@ -290,7 +290,7 @@
           <p:cNvPr id="6" name="灯片编号占位符 5">
             <a:extLst>
               <a:ext uri="{FF2B5EF4-FFF2-40B4-BE49-F238E27FC236}">
-                <a16:creationId xmlns:a16="http://schemas.microsoft.com/office/drawing/2014/main" id="{240B3E99-6065-207F-F256-6FDDD040DD27}"/>
+                <a16:creationId xmlns:a16="http://schemas.microsoft.com/office/drawing/2014/main" id="{86565D54-05A1-DAB0-F856-1E71B805BA4D}"/>
               </a:ext>
             </a:extLst>
           </p:cNvPr>
@@ -306,7 +306,7 @@
           <a:bodyPr/>
           <a:lstStyle/>
           <a:p>
-            <a:fld id="{047BFF20-3144-4B98-810C-13F044DAAAE7}" type="slidenum">
+            <a:fld id="{3BF5E97E-3A62-4256-8623-7A6EC0778C54}" type="slidenum">
               <a:rPr lang="zh-CN" altLang="en-US" smtClean="0"/>
               <a:t>‹#›</a:t>
             </a:fld>
@@ -317,7 +317,7 @@
     </p:spTree>
     <p:extLst>
       <p:ext uri="{BB962C8B-B14F-4D97-AF65-F5344CB8AC3E}">
-        <p14:creationId xmlns:p14="http://schemas.microsoft.com/office/powerpoint/2010/main" val="24970249"/>
+        <p14:creationId xmlns:p14="http://schemas.microsoft.com/office/powerpoint/2010/main" val="573591263"/>
       </p:ext>
     </p:extLst>
   </p:cSld>
@@ -349,7 +349,7 @@
           <p:cNvPr id="2" name="标题 1">
             <a:extLst>
               <a:ext uri="{FF2B5EF4-FFF2-40B4-BE49-F238E27FC236}">
-                <a16:creationId xmlns:a16="http://schemas.microsoft.com/office/drawing/2014/main" id="{8E08E6D7-9EFB-B529-FC40-FDB823393F6A}"/>
+                <a16:creationId xmlns:a16="http://schemas.microsoft.com/office/drawing/2014/main" id="{9C36E387-0CD9-9912-2B67-7DD83198ADCD}"/>
               </a:ext>
             </a:extLst>
           </p:cNvPr>
@@ -377,7 +377,7 @@
           <p:cNvPr id="3" name="竖排文字占位符 2">
             <a:extLst>
               <a:ext uri="{FF2B5EF4-FFF2-40B4-BE49-F238E27FC236}">
-                <a16:creationId xmlns:a16="http://schemas.microsoft.com/office/drawing/2014/main" id="{A7CC0D2E-E12F-6A07-3AB1-A831B2CE22D3}"/>
+                <a16:creationId xmlns:a16="http://schemas.microsoft.com/office/drawing/2014/main" id="{139509CD-38F1-C8B7-4236-28D05034CF78}"/>
               </a:ext>
             </a:extLst>
           </p:cNvPr>
@@ -434,7 +434,7 @@
           <p:cNvPr id="4" name="日期占位符 3">
             <a:extLst>
               <a:ext uri="{FF2B5EF4-FFF2-40B4-BE49-F238E27FC236}">
-                <a16:creationId xmlns:a16="http://schemas.microsoft.com/office/drawing/2014/main" id="{40C13404-B6BF-93EC-1FCE-67E266F8734A}"/>
+                <a16:creationId xmlns:a16="http://schemas.microsoft.com/office/drawing/2014/main" id="{387F7DDF-5570-2255-03FA-082C5B59CD3E}"/>
               </a:ext>
             </a:extLst>
           </p:cNvPr>
@@ -450,7 +450,7 @@
           <a:bodyPr/>
           <a:lstStyle/>
           <a:p>
-            <a:fld id="{273CDDEA-A94A-45D9-8272-491B3F8493FF}" type="datetimeFigureOut">
+            <a:fld id="{208327B2-0992-445C-AE4E-EE1C6A118904}" type="datetimeFigureOut">
               <a:rPr lang="zh-CN" altLang="en-US" smtClean="0"/>
               <a:t>2024/3/10</a:t>
             </a:fld>
@@ -463,7 +463,7 @@
           <p:cNvPr id="5" name="页脚占位符 4">
             <a:extLst>
               <a:ext uri="{FF2B5EF4-FFF2-40B4-BE49-F238E27FC236}">
-                <a16:creationId xmlns:a16="http://schemas.microsoft.com/office/drawing/2014/main" id="{842F8355-B863-EA4C-25DF-FFD069005ADF}"/>
+                <a16:creationId xmlns:a16="http://schemas.microsoft.com/office/drawing/2014/main" id="{2D40B3F5-3D0C-03A0-DB88-1CCEED4B11AE}"/>
               </a:ext>
             </a:extLst>
           </p:cNvPr>
@@ -488,7 +488,7 @@
           <p:cNvPr id="6" name="灯片编号占位符 5">
             <a:extLst>
               <a:ext uri="{FF2B5EF4-FFF2-40B4-BE49-F238E27FC236}">
-                <a16:creationId xmlns:a16="http://schemas.microsoft.com/office/drawing/2014/main" id="{79F57C5A-0BC0-F3A8-2D50-0391D3A0E9F5}"/>
+                <a16:creationId xmlns:a16="http://schemas.microsoft.com/office/drawing/2014/main" id="{A4A6DCCC-D9E4-8000-A3AA-5E3AB2ED9A1C}"/>
               </a:ext>
             </a:extLst>
           </p:cNvPr>
@@ -504,7 +504,7 @@
           <a:bodyPr/>
           <a:lstStyle/>
           <a:p>
-            <a:fld id="{047BFF20-3144-4B98-810C-13F044DAAAE7}" type="slidenum">
+            <a:fld id="{3BF5E97E-3A62-4256-8623-7A6EC0778C54}" type="slidenum">
               <a:rPr lang="zh-CN" altLang="en-US" smtClean="0"/>
               <a:t>‹#›</a:t>
             </a:fld>
@@ -515,7 +515,7 @@
     </p:spTree>
     <p:extLst>
       <p:ext uri="{BB962C8B-B14F-4D97-AF65-F5344CB8AC3E}">
-        <p14:creationId xmlns:p14="http://schemas.microsoft.com/office/powerpoint/2010/main" val="2319779015"/>
+        <p14:creationId xmlns:p14="http://schemas.microsoft.com/office/powerpoint/2010/main" val="2891597924"/>
       </p:ext>
     </p:extLst>
   </p:cSld>
@@ -547,7 +547,7 @@
           <p:cNvPr id="2" name="竖排标题 1">
             <a:extLst>
               <a:ext uri="{FF2B5EF4-FFF2-40B4-BE49-F238E27FC236}">
-                <a16:creationId xmlns:a16="http://schemas.microsoft.com/office/drawing/2014/main" id="{31428676-B1AE-7A16-81A4-919A20CEBA45}"/>
+                <a16:creationId xmlns:a16="http://schemas.microsoft.com/office/drawing/2014/main" id="{1D2C5D3B-C5FE-F0BF-77B6-4AFAB4AAE1C0}"/>
               </a:ext>
             </a:extLst>
           </p:cNvPr>
@@ -580,7 +580,7 @@
           <p:cNvPr id="3" name="竖排文字占位符 2">
             <a:extLst>
               <a:ext uri="{FF2B5EF4-FFF2-40B4-BE49-F238E27FC236}">
-                <a16:creationId xmlns:a16="http://schemas.microsoft.com/office/drawing/2014/main" id="{043FE961-8554-F092-E19A-40F94AE26AE2}"/>
+                <a16:creationId xmlns:a16="http://schemas.microsoft.com/office/drawing/2014/main" id="{F6566AA6-8913-B5ED-CA59-AC24850508A1}"/>
               </a:ext>
             </a:extLst>
           </p:cNvPr>
@@ -642,7 +642,7 @@
           <p:cNvPr id="4" name="日期占位符 3">
             <a:extLst>
               <a:ext uri="{FF2B5EF4-FFF2-40B4-BE49-F238E27FC236}">
-                <a16:creationId xmlns:a16="http://schemas.microsoft.com/office/drawing/2014/main" id="{99196BA6-5A14-F22B-EB2B-81240A6A2EB3}"/>
+                <a16:creationId xmlns:a16="http://schemas.microsoft.com/office/drawing/2014/main" id="{5DA04DDF-ECE5-FDD2-DA97-07DB1E127C0F}"/>
               </a:ext>
             </a:extLst>
           </p:cNvPr>
@@ -658,7 +658,7 @@
           <a:bodyPr/>
           <a:lstStyle/>
           <a:p>
-            <a:fld id="{273CDDEA-A94A-45D9-8272-491B3F8493FF}" type="datetimeFigureOut">
+            <a:fld id="{208327B2-0992-445C-AE4E-EE1C6A118904}" type="datetimeFigureOut">
               <a:rPr lang="zh-CN" altLang="en-US" smtClean="0"/>
               <a:t>2024/3/10</a:t>
             </a:fld>
@@ -671,7 +671,7 @@
           <p:cNvPr id="5" name="页脚占位符 4">
             <a:extLst>
               <a:ext uri="{FF2B5EF4-FFF2-40B4-BE49-F238E27FC236}">
-                <a16:creationId xmlns:a16="http://schemas.microsoft.com/office/drawing/2014/main" id="{1DFF05F1-0AB2-21EA-58E4-59C4D096B875}"/>
+                <a16:creationId xmlns:a16="http://schemas.microsoft.com/office/drawing/2014/main" id="{8546EBF9-586B-A6B1-86E6-A5211C420E9E}"/>
               </a:ext>
             </a:extLst>
           </p:cNvPr>
@@ -696,7 +696,7 @@
           <p:cNvPr id="6" name="灯片编号占位符 5">
             <a:extLst>
               <a:ext uri="{FF2B5EF4-FFF2-40B4-BE49-F238E27FC236}">
-                <a16:creationId xmlns:a16="http://schemas.microsoft.com/office/drawing/2014/main" id="{007A766B-C559-1FD5-E01E-C1D0525D2504}"/>
+                <a16:creationId xmlns:a16="http://schemas.microsoft.com/office/drawing/2014/main" id="{345BD873-D861-B1F3-3A86-7E3A16E34C85}"/>
               </a:ext>
             </a:extLst>
           </p:cNvPr>
@@ -712,7 +712,7 @@
           <a:bodyPr/>
           <a:lstStyle/>
           <a:p>
-            <a:fld id="{047BFF20-3144-4B98-810C-13F044DAAAE7}" type="slidenum">
+            <a:fld id="{3BF5E97E-3A62-4256-8623-7A6EC0778C54}" type="slidenum">
               <a:rPr lang="zh-CN" altLang="en-US" smtClean="0"/>
               <a:t>‹#›</a:t>
             </a:fld>
@@ -723,7 +723,7 @@
     </p:spTree>
     <p:extLst>
       <p:ext uri="{BB962C8B-B14F-4D97-AF65-F5344CB8AC3E}">
-        <p14:creationId xmlns:p14="http://schemas.microsoft.com/office/powerpoint/2010/main" val="522066977"/>
+        <p14:creationId xmlns:p14="http://schemas.microsoft.com/office/powerpoint/2010/main" val="249706278"/>
       </p:ext>
     </p:extLst>
   </p:cSld>
@@ -755,7 +755,7 @@
           <p:cNvPr id="2" name="标题 1">
             <a:extLst>
               <a:ext uri="{FF2B5EF4-FFF2-40B4-BE49-F238E27FC236}">
-                <a16:creationId xmlns:a16="http://schemas.microsoft.com/office/drawing/2014/main" id="{939FCA00-0710-6280-A992-E8EE2278F557}"/>
+                <a16:creationId xmlns:a16="http://schemas.microsoft.com/office/drawing/2014/main" id="{AAD11AEB-44D7-10D4-F039-CC4751DF40A4}"/>
               </a:ext>
             </a:extLst>
           </p:cNvPr>
@@ -783,7 +783,7 @@
           <p:cNvPr id="3" name="内容占位符 2">
             <a:extLst>
               <a:ext uri="{FF2B5EF4-FFF2-40B4-BE49-F238E27FC236}">
-                <a16:creationId xmlns:a16="http://schemas.microsoft.com/office/drawing/2014/main" id="{3D3A7F1D-1425-CFD0-D8C8-CE8F3655FD30}"/>
+                <a16:creationId xmlns:a16="http://schemas.microsoft.com/office/drawing/2014/main" id="{106D9942-5F1E-0A3E-F306-AC01C2EC9EA6}"/>
               </a:ext>
             </a:extLst>
           </p:cNvPr>
@@ -840,7 +840,7 @@
           <p:cNvPr id="4" name="日期占位符 3">
             <a:extLst>
               <a:ext uri="{FF2B5EF4-FFF2-40B4-BE49-F238E27FC236}">
-                <a16:creationId xmlns:a16="http://schemas.microsoft.com/office/drawing/2014/main" id="{52D500E8-7B14-81D0-0674-F9559C84396A}"/>
+                <a16:creationId xmlns:a16="http://schemas.microsoft.com/office/drawing/2014/main" id="{BE76EE16-ADB9-DDF9-3F89-A40154EC75E4}"/>
               </a:ext>
             </a:extLst>
           </p:cNvPr>
@@ -856,7 +856,7 @@
           <a:bodyPr/>
           <a:lstStyle/>
           <a:p>
-            <a:fld id="{273CDDEA-A94A-45D9-8272-491B3F8493FF}" type="datetimeFigureOut">
+            <a:fld id="{208327B2-0992-445C-AE4E-EE1C6A118904}" type="datetimeFigureOut">
               <a:rPr lang="zh-CN" altLang="en-US" smtClean="0"/>
               <a:t>2024/3/10</a:t>
             </a:fld>
@@ -869,7 +869,7 @@
           <p:cNvPr id="5" name="页脚占位符 4">
             <a:extLst>
               <a:ext uri="{FF2B5EF4-FFF2-40B4-BE49-F238E27FC236}">
-                <a16:creationId xmlns:a16="http://schemas.microsoft.com/office/drawing/2014/main" id="{BBA1134A-FD4E-AF2D-80DE-04B52A7DF0C5}"/>
+                <a16:creationId xmlns:a16="http://schemas.microsoft.com/office/drawing/2014/main" id="{6CA79F56-5DBC-BD4C-907A-746CBF541272}"/>
               </a:ext>
             </a:extLst>
           </p:cNvPr>
@@ -894,7 +894,7 @@
           <p:cNvPr id="6" name="灯片编号占位符 5">
             <a:extLst>
               <a:ext uri="{FF2B5EF4-FFF2-40B4-BE49-F238E27FC236}">
-                <a16:creationId xmlns:a16="http://schemas.microsoft.com/office/drawing/2014/main" id="{AE1377F0-B79C-5F9E-E011-0AF4D7A8073E}"/>
+                <a16:creationId xmlns:a16="http://schemas.microsoft.com/office/drawing/2014/main" id="{D1A70692-A143-0227-8CA4-B271C9BF9C7B}"/>
               </a:ext>
             </a:extLst>
           </p:cNvPr>
@@ -910,7 +910,7 @@
           <a:bodyPr/>
           <a:lstStyle/>
           <a:p>
-            <a:fld id="{047BFF20-3144-4B98-810C-13F044DAAAE7}" type="slidenum">
+            <a:fld id="{3BF5E97E-3A62-4256-8623-7A6EC0778C54}" type="slidenum">
               <a:rPr lang="zh-CN" altLang="en-US" smtClean="0"/>
               <a:t>‹#›</a:t>
             </a:fld>
@@ -921,7 +921,7 @@
     </p:spTree>
     <p:extLst>
       <p:ext uri="{BB962C8B-B14F-4D97-AF65-F5344CB8AC3E}">
-        <p14:creationId xmlns:p14="http://schemas.microsoft.com/office/powerpoint/2010/main" val="2778992162"/>
+        <p14:creationId xmlns:p14="http://schemas.microsoft.com/office/powerpoint/2010/main" val="56886597"/>
       </p:ext>
     </p:extLst>
   </p:cSld>
@@ -953,7 +953,7 @@
           <p:cNvPr id="2" name="标题 1">
             <a:extLst>
               <a:ext uri="{FF2B5EF4-FFF2-40B4-BE49-F238E27FC236}">
-                <a16:creationId xmlns:a16="http://schemas.microsoft.com/office/drawing/2014/main" id="{412F35D0-4550-4F49-B7A9-7DD089ED051F}"/>
+                <a16:creationId xmlns:a16="http://schemas.microsoft.com/office/drawing/2014/main" id="{1184A0A2-D60E-84A2-5EAA-C13817CF1997}"/>
               </a:ext>
             </a:extLst>
           </p:cNvPr>
@@ -990,7 +990,7 @@
           <p:cNvPr id="3" name="文本占位符 2">
             <a:extLst>
               <a:ext uri="{FF2B5EF4-FFF2-40B4-BE49-F238E27FC236}">
-                <a16:creationId xmlns:a16="http://schemas.microsoft.com/office/drawing/2014/main" id="{D99E1824-4AD5-B2B9-BA55-B4E76DF9DA2F}"/>
+                <a16:creationId xmlns:a16="http://schemas.microsoft.com/office/drawing/2014/main" id="{0394599A-7CFE-0924-3B18-07570D96FE54}"/>
               </a:ext>
             </a:extLst>
           </p:cNvPr>
@@ -1115,7 +1115,7 @@
           <p:cNvPr id="4" name="日期占位符 3">
             <a:extLst>
               <a:ext uri="{FF2B5EF4-FFF2-40B4-BE49-F238E27FC236}">
-                <a16:creationId xmlns:a16="http://schemas.microsoft.com/office/drawing/2014/main" id="{85598135-8363-1609-C42C-6A85653A1B37}"/>
+                <a16:creationId xmlns:a16="http://schemas.microsoft.com/office/drawing/2014/main" id="{015DB646-9359-A09E-B728-9F4B328B6351}"/>
               </a:ext>
             </a:extLst>
           </p:cNvPr>
@@ -1131,7 +1131,7 @@
           <a:bodyPr/>
           <a:lstStyle/>
           <a:p>
-            <a:fld id="{273CDDEA-A94A-45D9-8272-491B3F8493FF}" type="datetimeFigureOut">
+            <a:fld id="{208327B2-0992-445C-AE4E-EE1C6A118904}" type="datetimeFigureOut">
               <a:rPr lang="zh-CN" altLang="en-US" smtClean="0"/>
               <a:t>2024/3/10</a:t>
             </a:fld>
@@ -1144,7 +1144,7 @@
           <p:cNvPr id="5" name="页脚占位符 4">
             <a:extLst>
               <a:ext uri="{FF2B5EF4-FFF2-40B4-BE49-F238E27FC236}">
-                <a16:creationId xmlns:a16="http://schemas.microsoft.com/office/drawing/2014/main" id="{F4E8640B-CD12-E43F-A212-F340B5ABC41D}"/>
+                <a16:creationId xmlns:a16="http://schemas.microsoft.com/office/drawing/2014/main" id="{EA280110-B7B9-D672-210D-90B6EB0CB786}"/>
               </a:ext>
             </a:extLst>
           </p:cNvPr>
@@ -1169,7 +1169,7 @@
           <p:cNvPr id="6" name="灯片编号占位符 5">
             <a:extLst>
               <a:ext uri="{FF2B5EF4-FFF2-40B4-BE49-F238E27FC236}">
-                <a16:creationId xmlns:a16="http://schemas.microsoft.com/office/drawing/2014/main" id="{4EFB80A1-F24F-0DE2-8B4D-E1408A6707ED}"/>
+                <a16:creationId xmlns:a16="http://schemas.microsoft.com/office/drawing/2014/main" id="{0C2C8D90-21FF-EDF7-AADD-B0148F179F56}"/>
               </a:ext>
             </a:extLst>
           </p:cNvPr>
@@ -1185,7 +1185,7 @@
           <a:bodyPr/>
           <a:lstStyle/>
           <a:p>
-            <a:fld id="{047BFF20-3144-4B98-810C-13F044DAAAE7}" type="slidenum">
+            <a:fld id="{3BF5E97E-3A62-4256-8623-7A6EC0778C54}" type="slidenum">
               <a:rPr lang="zh-CN" altLang="en-US" smtClean="0"/>
               <a:t>‹#›</a:t>
             </a:fld>
@@ -1196,7 +1196,7 @@
     </p:spTree>
     <p:extLst>
       <p:ext uri="{BB962C8B-B14F-4D97-AF65-F5344CB8AC3E}">
-        <p14:creationId xmlns:p14="http://schemas.microsoft.com/office/powerpoint/2010/main" val="4291193538"/>
+        <p14:creationId xmlns:p14="http://schemas.microsoft.com/office/powerpoint/2010/main" val="1175672568"/>
       </p:ext>
     </p:extLst>
   </p:cSld>
@@ -1228,7 +1228,7 @@
           <p:cNvPr id="2" name="标题 1">
             <a:extLst>
               <a:ext uri="{FF2B5EF4-FFF2-40B4-BE49-F238E27FC236}">
-                <a16:creationId xmlns:a16="http://schemas.microsoft.com/office/drawing/2014/main" id="{F71AC106-EDA5-D133-522A-6602524CF312}"/>
+                <a16:creationId xmlns:a16="http://schemas.microsoft.com/office/drawing/2014/main" id="{33B3A1F3-17CE-ED1D-F2D4-8ADB964B3AE2}"/>
               </a:ext>
             </a:extLst>
           </p:cNvPr>
@@ -1256,7 +1256,7 @@
           <p:cNvPr id="3" name="内容占位符 2">
             <a:extLst>
               <a:ext uri="{FF2B5EF4-FFF2-40B4-BE49-F238E27FC236}">
-                <a16:creationId xmlns:a16="http://schemas.microsoft.com/office/drawing/2014/main" id="{3A6A5FF4-A228-42AD-3E7E-5C924A8BEBEE}"/>
+                <a16:creationId xmlns:a16="http://schemas.microsoft.com/office/drawing/2014/main" id="{EEE6E9EA-C820-D530-21FA-709A58051399}"/>
               </a:ext>
             </a:extLst>
           </p:cNvPr>
@@ -1318,7 +1318,7 @@
           <p:cNvPr id="4" name="内容占位符 3">
             <a:extLst>
               <a:ext uri="{FF2B5EF4-FFF2-40B4-BE49-F238E27FC236}">
-                <a16:creationId xmlns:a16="http://schemas.microsoft.com/office/drawing/2014/main" id="{3C8FD4F3-3E56-44AE-161E-D7B3FBB4BE16}"/>
+                <a16:creationId xmlns:a16="http://schemas.microsoft.com/office/drawing/2014/main" id="{A36C9342-0F71-3795-5A81-CF4E87B91B5B}"/>
               </a:ext>
             </a:extLst>
           </p:cNvPr>
@@ -1380,7 +1380,7 @@
           <p:cNvPr id="5" name="日期占位符 4">
             <a:extLst>
               <a:ext uri="{FF2B5EF4-FFF2-40B4-BE49-F238E27FC236}">
-                <a16:creationId xmlns:a16="http://schemas.microsoft.com/office/drawing/2014/main" id="{C2A6ED38-FA70-993E-2443-126B8C2625B1}"/>
+                <a16:creationId xmlns:a16="http://schemas.microsoft.com/office/drawing/2014/main" id="{5E09926E-E8EA-9229-21DC-85BBCB986342}"/>
               </a:ext>
             </a:extLst>
           </p:cNvPr>
@@ -1396,7 +1396,7 @@
           <a:bodyPr/>
           <a:lstStyle/>
           <a:p>
-            <a:fld id="{273CDDEA-A94A-45D9-8272-491B3F8493FF}" type="datetimeFigureOut">
+            <a:fld id="{208327B2-0992-445C-AE4E-EE1C6A118904}" type="datetimeFigureOut">
               <a:rPr lang="zh-CN" altLang="en-US" smtClean="0"/>
               <a:t>2024/3/10</a:t>
             </a:fld>
@@ -1409,7 +1409,7 @@
           <p:cNvPr id="6" name="页脚占位符 5">
             <a:extLst>
               <a:ext uri="{FF2B5EF4-FFF2-40B4-BE49-F238E27FC236}">
-                <a16:creationId xmlns:a16="http://schemas.microsoft.com/office/drawing/2014/main" id="{2584F050-F66A-81E6-F9FD-C4A599EB211F}"/>
+                <a16:creationId xmlns:a16="http://schemas.microsoft.com/office/drawing/2014/main" id="{58685E46-8F2F-12F3-155B-F27498178283}"/>
               </a:ext>
             </a:extLst>
           </p:cNvPr>
@@ -1434,7 +1434,7 @@
           <p:cNvPr id="7" name="灯片编号占位符 6">
             <a:extLst>
               <a:ext uri="{FF2B5EF4-FFF2-40B4-BE49-F238E27FC236}">
-                <a16:creationId xmlns:a16="http://schemas.microsoft.com/office/drawing/2014/main" id="{05E8C0B8-DB46-1777-D52C-8A48323A0DDE}"/>
+                <a16:creationId xmlns:a16="http://schemas.microsoft.com/office/drawing/2014/main" id="{76D56460-EB33-590F-35BB-175EA8E2AB6D}"/>
               </a:ext>
             </a:extLst>
           </p:cNvPr>
@@ -1450,7 +1450,7 @@
           <a:bodyPr/>
           <a:lstStyle/>
           <a:p>
-            <a:fld id="{047BFF20-3144-4B98-810C-13F044DAAAE7}" type="slidenum">
+            <a:fld id="{3BF5E97E-3A62-4256-8623-7A6EC0778C54}" type="slidenum">
               <a:rPr lang="zh-CN" altLang="en-US" smtClean="0"/>
               <a:t>‹#›</a:t>
             </a:fld>
@@ -1461,7 +1461,7 @@
     </p:spTree>
     <p:extLst>
       <p:ext uri="{BB962C8B-B14F-4D97-AF65-F5344CB8AC3E}">
-        <p14:creationId xmlns:p14="http://schemas.microsoft.com/office/powerpoint/2010/main" val="2085947198"/>
+        <p14:creationId xmlns:p14="http://schemas.microsoft.com/office/powerpoint/2010/main" val="3835144852"/>
       </p:ext>
     </p:extLst>
   </p:cSld>
@@ -1493,7 +1493,7 @@
           <p:cNvPr id="2" name="标题 1">
             <a:extLst>
               <a:ext uri="{FF2B5EF4-FFF2-40B4-BE49-F238E27FC236}">
-                <a16:creationId xmlns:a16="http://schemas.microsoft.com/office/drawing/2014/main" id="{78016B58-4970-5858-31EA-559A8D44C324}"/>
+                <a16:creationId xmlns:a16="http://schemas.microsoft.com/office/drawing/2014/main" id="{066CF50E-5E16-94B9-C756-E6DB0F11A0C2}"/>
               </a:ext>
             </a:extLst>
           </p:cNvPr>
@@ -1526,7 +1526,7 @@
           <p:cNvPr id="3" name="文本占位符 2">
             <a:extLst>
               <a:ext uri="{FF2B5EF4-FFF2-40B4-BE49-F238E27FC236}">
-                <a16:creationId xmlns:a16="http://schemas.microsoft.com/office/drawing/2014/main" id="{51FD4D2A-35B7-209E-B9BF-632FAC35E387}"/>
+                <a16:creationId xmlns:a16="http://schemas.microsoft.com/office/drawing/2014/main" id="{261CD786-3829-2C4D-9C41-25E3DF3D5A9B}"/>
               </a:ext>
             </a:extLst>
           </p:cNvPr>
@@ -1597,7 +1597,7 @@
           <p:cNvPr id="4" name="内容占位符 3">
             <a:extLst>
               <a:ext uri="{FF2B5EF4-FFF2-40B4-BE49-F238E27FC236}">
-                <a16:creationId xmlns:a16="http://schemas.microsoft.com/office/drawing/2014/main" id="{B9EB2293-B701-3AA1-B41E-A0C346112F83}"/>
+                <a16:creationId xmlns:a16="http://schemas.microsoft.com/office/drawing/2014/main" id="{06FCAD18-091A-38F0-596B-6E47B2148572}"/>
               </a:ext>
             </a:extLst>
           </p:cNvPr>
@@ -1659,7 +1659,7 @@
           <p:cNvPr id="5" name="文本占位符 4">
             <a:extLst>
               <a:ext uri="{FF2B5EF4-FFF2-40B4-BE49-F238E27FC236}">
-                <a16:creationId xmlns:a16="http://schemas.microsoft.com/office/drawing/2014/main" id="{13FC040B-2259-07EA-F9B7-9BDE7C8148ED}"/>
+                <a16:creationId xmlns:a16="http://schemas.microsoft.com/office/drawing/2014/main" id="{41814ACE-079A-B2BE-0161-310767BAC7D8}"/>
               </a:ext>
             </a:extLst>
           </p:cNvPr>
@@ -1730,7 +1730,7 @@
           <p:cNvPr id="6" name="内容占位符 5">
             <a:extLst>
               <a:ext uri="{FF2B5EF4-FFF2-40B4-BE49-F238E27FC236}">
-                <a16:creationId xmlns:a16="http://schemas.microsoft.com/office/drawing/2014/main" id="{D0E26862-127D-3C3F-EEC5-AA39EB54744B}"/>
+                <a16:creationId xmlns:a16="http://schemas.microsoft.com/office/drawing/2014/main" id="{72E70923-5285-30AD-809B-ECA900E228CE}"/>
               </a:ext>
             </a:extLst>
           </p:cNvPr>
@@ -1792,7 +1792,7 @@
           <p:cNvPr id="7" name="日期占位符 6">
             <a:extLst>
               <a:ext uri="{FF2B5EF4-FFF2-40B4-BE49-F238E27FC236}">
-                <a16:creationId xmlns:a16="http://schemas.microsoft.com/office/drawing/2014/main" id="{727B563C-30C7-9E7F-DB14-6870C22606BC}"/>
+                <a16:creationId xmlns:a16="http://schemas.microsoft.com/office/drawing/2014/main" id="{0E790E69-27E3-6848-CB4E-8E639ED8367D}"/>
               </a:ext>
             </a:extLst>
           </p:cNvPr>
@@ -1808,7 +1808,7 @@
           <a:bodyPr/>
           <a:lstStyle/>
           <a:p>
-            <a:fld id="{273CDDEA-A94A-45D9-8272-491B3F8493FF}" type="datetimeFigureOut">
+            <a:fld id="{208327B2-0992-445C-AE4E-EE1C6A118904}" type="datetimeFigureOut">
               <a:rPr lang="zh-CN" altLang="en-US" smtClean="0"/>
               <a:t>2024/3/10</a:t>
             </a:fld>
@@ -1821,7 +1821,7 @@
           <p:cNvPr id="8" name="页脚占位符 7">
             <a:extLst>
               <a:ext uri="{FF2B5EF4-FFF2-40B4-BE49-F238E27FC236}">
-                <a16:creationId xmlns:a16="http://schemas.microsoft.com/office/drawing/2014/main" id="{3535C135-C61E-2DD8-87C0-90882012E0C1}"/>
+                <a16:creationId xmlns:a16="http://schemas.microsoft.com/office/drawing/2014/main" id="{6D911401-EE97-D777-DA87-CA04AAAD3C1D}"/>
               </a:ext>
             </a:extLst>
           </p:cNvPr>
@@ -1846,7 +1846,7 @@
           <p:cNvPr id="9" name="灯片编号占位符 8">
             <a:extLst>
               <a:ext uri="{FF2B5EF4-FFF2-40B4-BE49-F238E27FC236}">
-                <a16:creationId xmlns:a16="http://schemas.microsoft.com/office/drawing/2014/main" id="{65DB57AE-1B4B-8ABB-53D0-BEEE2F6FB16B}"/>
+                <a16:creationId xmlns:a16="http://schemas.microsoft.com/office/drawing/2014/main" id="{B008C8F3-A530-1A6E-A9FE-13C3A460B0C9}"/>
               </a:ext>
             </a:extLst>
           </p:cNvPr>
@@ -1862,7 +1862,7 @@
           <a:bodyPr/>
           <a:lstStyle/>
           <a:p>
-            <a:fld id="{047BFF20-3144-4B98-810C-13F044DAAAE7}" type="slidenum">
+            <a:fld id="{3BF5E97E-3A62-4256-8623-7A6EC0778C54}" type="slidenum">
               <a:rPr lang="zh-CN" altLang="en-US" smtClean="0"/>
               <a:t>‹#›</a:t>
             </a:fld>
@@ -1873,7 +1873,7 @@
     </p:spTree>
     <p:extLst>
       <p:ext uri="{BB962C8B-B14F-4D97-AF65-F5344CB8AC3E}">
-        <p14:creationId xmlns:p14="http://schemas.microsoft.com/office/powerpoint/2010/main" val="3429070515"/>
+        <p14:creationId xmlns:p14="http://schemas.microsoft.com/office/powerpoint/2010/main" val="1322223642"/>
       </p:ext>
     </p:extLst>
   </p:cSld>
@@ -1905,7 +1905,7 @@
           <p:cNvPr id="2" name="标题 1">
             <a:extLst>
               <a:ext uri="{FF2B5EF4-FFF2-40B4-BE49-F238E27FC236}">
-                <a16:creationId xmlns:a16="http://schemas.microsoft.com/office/drawing/2014/main" id="{1275F2EC-05EB-5CF2-BFFA-86C4E43A178C}"/>
+                <a16:creationId xmlns:a16="http://schemas.microsoft.com/office/drawing/2014/main" id="{3C4E7138-3555-6AEE-CA32-07C67FFEBF49}"/>
               </a:ext>
             </a:extLst>
           </p:cNvPr>
@@ -1933,7 +1933,7 @@
           <p:cNvPr id="3" name="日期占位符 2">
             <a:extLst>
               <a:ext uri="{FF2B5EF4-FFF2-40B4-BE49-F238E27FC236}">
-                <a16:creationId xmlns:a16="http://schemas.microsoft.com/office/drawing/2014/main" id="{00ACA89A-02A8-007E-DD52-73EBF3C6D575}"/>
+                <a16:creationId xmlns:a16="http://schemas.microsoft.com/office/drawing/2014/main" id="{1FB9EE6F-E853-C7AC-66D9-AB952F93D49A}"/>
               </a:ext>
             </a:extLst>
           </p:cNvPr>
@@ -1949,7 +1949,7 @@
           <a:bodyPr/>
           <a:lstStyle/>
           <a:p>
-            <a:fld id="{273CDDEA-A94A-45D9-8272-491B3F8493FF}" type="datetimeFigureOut">
+            <a:fld id="{208327B2-0992-445C-AE4E-EE1C6A118904}" type="datetimeFigureOut">
               <a:rPr lang="zh-CN" altLang="en-US" smtClean="0"/>
               <a:t>2024/3/10</a:t>
             </a:fld>
@@ -1962,7 +1962,7 @@
           <p:cNvPr id="4" name="页脚占位符 3">
             <a:extLst>
               <a:ext uri="{FF2B5EF4-FFF2-40B4-BE49-F238E27FC236}">
-                <a16:creationId xmlns:a16="http://schemas.microsoft.com/office/drawing/2014/main" id="{9F7A5DF0-3ACF-F8F6-F44D-B479F17B89F6}"/>
+                <a16:creationId xmlns:a16="http://schemas.microsoft.com/office/drawing/2014/main" id="{BA7EA297-7752-534F-CAAA-BE2F7FA6070A}"/>
               </a:ext>
             </a:extLst>
           </p:cNvPr>
@@ -1987,7 +1987,7 @@
           <p:cNvPr id="5" name="灯片编号占位符 4">
             <a:extLst>
               <a:ext uri="{FF2B5EF4-FFF2-40B4-BE49-F238E27FC236}">
-                <a16:creationId xmlns:a16="http://schemas.microsoft.com/office/drawing/2014/main" id="{0469E2C0-C9F1-F20E-E167-F66A2E9F0705}"/>
+                <a16:creationId xmlns:a16="http://schemas.microsoft.com/office/drawing/2014/main" id="{9D53A80E-F0B2-9FFC-17AD-59589665D7C5}"/>
               </a:ext>
             </a:extLst>
           </p:cNvPr>
@@ -2003,7 +2003,7 @@
           <a:bodyPr/>
           <a:lstStyle/>
           <a:p>
-            <a:fld id="{047BFF20-3144-4B98-810C-13F044DAAAE7}" type="slidenum">
+            <a:fld id="{3BF5E97E-3A62-4256-8623-7A6EC0778C54}" type="slidenum">
               <a:rPr lang="zh-CN" altLang="en-US" smtClean="0"/>
               <a:t>‹#›</a:t>
             </a:fld>
@@ -2014,7 +2014,7 @@
     </p:spTree>
     <p:extLst>
       <p:ext uri="{BB962C8B-B14F-4D97-AF65-F5344CB8AC3E}">
-        <p14:creationId xmlns:p14="http://schemas.microsoft.com/office/powerpoint/2010/main" val="1310292794"/>
+        <p14:creationId xmlns:p14="http://schemas.microsoft.com/office/powerpoint/2010/main" val="473011595"/>
       </p:ext>
     </p:extLst>
   </p:cSld>
@@ -2046,7 +2046,7 @@
           <p:cNvPr id="2" name="日期占位符 1">
             <a:extLst>
               <a:ext uri="{FF2B5EF4-FFF2-40B4-BE49-F238E27FC236}">
-                <a16:creationId xmlns:a16="http://schemas.microsoft.com/office/drawing/2014/main" id="{F10C3095-2F06-6597-84C3-7B7CACD773FF}"/>
+                <a16:creationId xmlns:a16="http://schemas.microsoft.com/office/drawing/2014/main" id="{638261B2-B68E-ED4F-FBA8-5F8AD06E1AB4}"/>
               </a:ext>
             </a:extLst>
           </p:cNvPr>
@@ -2062,7 +2062,7 @@
           <a:bodyPr/>
           <a:lstStyle/>
           <a:p>
-            <a:fld id="{273CDDEA-A94A-45D9-8272-491B3F8493FF}" type="datetimeFigureOut">
+            <a:fld id="{208327B2-0992-445C-AE4E-EE1C6A118904}" type="datetimeFigureOut">
               <a:rPr lang="zh-CN" altLang="en-US" smtClean="0"/>
               <a:t>2024/3/10</a:t>
             </a:fld>
@@ -2075,7 +2075,7 @@
           <p:cNvPr id="3" name="页脚占位符 2">
             <a:extLst>
               <a:ext uri="{FF2B5EF4-FFF2-40B4-BE49-F238E27FC236}">
-                <a16:creationId xmlns:a16="http://schemas.microsoft.com/office/drawing/2014/main" id="{CCDAF188-AE8F-C9EE-23BD-59574C2D8AC8}"/>
+                <a16:creationId xmlns:a16="http://schemas.microsoft.com/office/drawing/2014/main" id="{2FFD26DE-0D7C-73A3-F267-01664BDDF459}"/>
               </a:ext>
             </a:extLst>
           </p:cNvPr>
@@ -2100,7 +2100,7 @@
           <p:cNvPr id="4" name="灯片编号占位符 3">
             <a:extLst>
               <a:ext uri="{FF2B5EF4-FFF2-40B4-BE49-F238E27FC236}">
-                <a16:creationId xmlns:a16="http://schemas.microsoft.com/office/drawing/2014/main" id="{39686DA1-9E07-45DE-9430-F00156D5895A}"/>
+                <a16:creationId xmlns:a16="http://schemas.microsoft.com/office/drawing/2014/main" id="{0BBB0CD6-F504-22FE-8966-78DF781354D3}"/>
               </a:ext>
             </a:extLst>
           </p:cNvPr>
@@ -2116,7 +2116,7 @@
           <a:bodyPr/>
           <a:lstStyle/>
           <a:p>
-            <a:fld id="{047BFF20-3144-4B98-810C-13F044DAAAE7}" type="slidenum">
+            <a:fld id="{3BF5E97E-3A62-4256-8623-7A6EC0778C54}" type="slidenum">
               <a:rPr lang="zh-CN" altLang="en-US" smtClean="0"/>
               <a:t>‹#›</a:t>
             </a:fld>
@@ -2127,7 +2127,7 @@
     </p:spTree>
     <p:extLst>
       <p:ext uri="{BB962C8B-B14F-4D97-AF65-F5344CB8AC3E}">
-        <p14:creationId xmlns:p14="http://schemas.microsoft.com/office/powerpoint/2010/main" val="3539205869"/>
+        <p14:creationId xmlns:p14="http://schemas.microsoft.com/office/powerpoint/2010/main" val="2582116027"/>
       </p:ext>
     </p:extLst>
   </p:cSld>
@@ -2159,7 +2159,7 @@
           <p:cNvPr id="2" name="标题 1">
             <a:extLst>
               <a:ext uri="{FF2B5EF4-FFF2-40B4-BE49-F238E27FC236}">
-                <a16:creationId xmlns:a16="http://schemas.microsoft.com/office/drawing/2014/main" id="{E836E57A-690D-DE0E-471B-0BFCA89E6D78}"/>
+                <a16:creationId xmlns:a16="http://schemas.microsoft.com/office/drawing/2014/main" id="{163A2BA6-9F32-2A8C-B4C9-7FB390822B62}"/>
               </a:ext>
             </a:extLst>
           </p:cNvPr>
@@ -2196,7 +2196,7 @@
           <p:cNvPr id="3" name="内容占位符 2">
             <a:extLst>
               <a:ext uri="{FF2B5EF4-FFF2-40B4-BE49-F238E27FC236}">
-                <a16:creationId xmlns:a16="http://schemas.microsoft.com/office/drawing/2014/main" id="{3274AA1F-E69F-7FD6-9590-0306A8849ACC}"/>
+                <a16:creationId xmlns:a16="http://schemas.microsoft.com/office/drawing/2014/main" id="{3381F75E-0991-FDC9-2358-4F64A7AA51DE}"/>
               </a:ext>
             </a:extLst>
           </p:cNvPr>
@@ -2286,7 +2286,7 @@
           <p:cNvPr id="4" name="文本占位符 3">
             <a:extLst>
               <a:ext uri="{FF2B5EF4-FFF2-40B4-BE49-F238E27FC236}">
-                <a16:creationId xmlns:a16="http://schemas.microsoft.com/office/drawing/2014/main" id="{EE4D1794-37C2-CAB9-B942-183B8EE9C709}"/>
+                <a16:creationId xmlns:a16="http://schemas.microsoft.com/office/drawing/2014/main" id="{04E73176-3A40-D258-3C54-6723F66FF4D4}"/>
               </a:ext>
             </a:extLst>
           </p:cNvPr>
@@ -2357,7 +2357,7 @@
           <p:cNvPr id="5" name="日期占位符 4">
             <a:extLst>
               <a:ext uri="{FF2B5EF4-FFF2-40B4-BE49-F238E27FC236}">
-                <a16:creationId xmlns:a16="http://schemas.microsoft.com/office/drawing/2014/main" id="{102A8ED8-A63F-0962-7D89-690BFA3259AA}"/>
+                <a16:creationId xmlns:a16="http://schemas.microsoft.com/office/drawing/2014/main" id="{235DF9ED-C9A8-E863-0D19-F22C14394EBA}"/>
               </a:ext>
             </a:extLst>
           </p:cNvPr>
@@ -2373,7 +2373,7 @@
           <a:bodyPr/>
           <a:lstStyle/>
           <a:p>
-            <a:fld id="{273CDDEA-A94A-45D9-8272-491B3F8493FF}" type="datetimeFigureOut">
+            <a:fld id="{208327B2-0992-445C-AE4E-EE1C6A118904}" type="datetimeFigureOut">
               <a:rPr lang="zh-CN" altLang="en-US" smtClean="0"/>
               <a:t>2024/3/10</a:t>
             </a:fld>
@@ -2386,7 +2386,7 @@
           <p:cNvPr id="6" name="页脚占位符 5">
             <a:extLst>
               <a:ext uri="{FF2B5EF4-FFF2-40B4-BE49-F238E27FC236}">
-                <a16:creationId xmlns:a16="http://schemas.microsoft.com/office/drawing/2014/main" id="{4F974645-9284-6452-EA8E-2AB6C590163E}"/>
+                <a16:creationId xmlns:a16="http://schemas.microsoft.com/office/drawing/2014/main" id="{B3DA884B-83D9-3F0B-6BC8-59003A48E701}"/>
               </a:ext>
             </a:extLst>
           </p:cNvPr>
@@ -2411,7 +2411,7 @@
           <p:cNvPr id="7" name="灯片编号占位符 6">
             <a:extLst>
               <a:ext uri="{FF2B5EF4-FFF2-40B4-BE49-F238E27FC236}">
-                <a16:creationId xmlns:a16="http://schemas.microsoft.com/office/drawing/2014/main" id="{FAA8BD3A-AB56-E057-F317-CD651986A890}"/>
+                <a16:creationId xmlns:a16="http://schemas.microsoft.com/office/drawing/2014/main" id="{E4F36EBC-548C-5C45-1EF2-76D7A2863EAA}"/>
               </a:ext>
             </a:extLst>
           </p:cNvPr>
@@ -2427,7 +2427,7 @@
           <a:bodyPr/>
           <a:lstStyle/>
           <a:p>
-            <a:fld id="{047BFF20-3144-4B98-810C-13F044DAAAE7}" type="slidenum">
+            <a:fld id="{3BF5E97E-3A62-4256-8623-7A6EC0778C54}" type="slidenum">
               <a:rPr lang="zh-CN" altLang="en-US" smtClean="0"/>
               <a:t>‹#›</a:t>
             </a:fld>
@@ -2438,7 +2438,7 @@
     </p:spTree>
     <p:extLst>
       <p:ext uri="{BB962C8B-B14F-4D97-AF65-F5344CB8AC3E}">
-        <p14:creationId xmlns:p14="http://schemas.microsoft.com/office/powerpoint/2010/main" val="2465085177"/>
+        <p14:creationId xmlns:p14="http://schemas.microsoft.com/office/powerpoint/2010/main" val="249194845"/>
       </p:ext>
     </p:extLst>
   </p:cSld>
@@ -2470,7 +2470,7 @@
           <p:cNvPr id="2" name="标题 1">
             <a:extLst>
               <a:ext uri="{FF2B5EF4-FFF2-40B4-BE49-F238E27FC236}">
-                <a16:creationId xmlns:a16="http://schemas.microsoft.com/office/drawing/2014/main" id="{1605C62F-BAFB-7023-8794-8230C7879535}"/>
+                <a16:creationId xmlns:a16="http://schemas.microsoft.com/office/drawing/2014/main" id="{FE9A40ED-69DF-B9E3-80E9-39EFA4B5D52E}"/>
               </a:ext>
             </a:extLst>
           </p:cNvPr>
@@ -2507,7 +2507,7 @@
           <p:cNvPr id="3" name="图片占位符 2">
             <a:extLst>
               <a:ext uri="{FF2B5EF4-FFF2-40B4-BE49-F238E27FC236}">
-                <a16:creationId xmlns:a16="http://schemas.microsoft.com/office/drawing/2014/main" id="{3CEDEDD1-04EF-FA26-45D3-196F433AC13B}"/>
+                <a16:creationId xmlns:a16="http://schemas.microsoft.com/office/drawing/2014/main" id="{72C6CF3B-BB38-6349-D66E-42CA25BCD21D}"/>
               </a:ext>
             </a:extLst>
           </p:cNvPr>
@@ -2574,7 +2574,7 @@
           <p:cNvPr id="4" name="文本占位符 3">
             <a:extLst>
               <a:ext uri="{FF2B5EF4-FFF2-40B4-BE49-F238E27FC236}">
-                <a16:creationId xmlns:a16="http://schemas.microsoft.com/office/drawing/2014/main" id="{A99984D1-8975-66F2-F958-F37360FF68CB}"/>
+                <a16:creationId xmlns:a16="http://schemas.microsoft.com/office/drawing/2014/main" id="{CFE26538-B401-72E5-EC7E-EAE3760F370C}"/>
               </a:ext>
             </a:extLst>
           </p:cNvPr>
@@ -2645,7 +2645,7 @@
           <p:cNvPr id="5" name="日期占位符 4">
             <a:extLst>
               <a:ext uri="{FF2B5EF4-FFF2-40B4-BE49-F238E27FC236}">
-                <a16:creationId xmlns:a16="http://schemas.microsoft.com/office/drawing/2014/main" id="{3C2606BE-416E-D1EF-E014-633DBC2726ED}"/>
+                <a16:creationId xmlns:a16="http://schemas.microsoft.com/office/drawing/2014/main" id="{CD91B20F-74CC-51B1-4F85-00573BE29744}"/>
               </a:ext>
             </a:extLst>
           </p:cNvPr>
@@ -2661,7 +2661,7 @@
           <a:bodyPr/>
           <a:lstStyle/>
           <a:p>
-            <a:fld id="{273CDDEA-A94A-45D9-8272-491B3F8493FF}" type="datetimeFigureOut">
+            <a:fld id="{208327B2-0992-445C-AE4E-EE1C6A118904}" type="datetimeFigureOut">
               <a:rPr lang="zh-CN" altLang="en-US" smtClean="0"/>
               <a:t>2024/3/10</a:t>
             </a:fld>
@@ -2674,7 +2674,7 @@
           <p:cNvPr id="6" name="页脚占位符 5">
             <a:extLst>
               <a:ext uri="{FF2B5EF4-FFF2-40B4-BE49-F238E27FC236}">
-                <a16:creationId xmlns:a16="http://schemas.microsoft.com/office/drawing/2014/main" id="{A14E6BC4-1D54-6261-6DBD-03CFECFC7ADB}"/>
+                <a16:creationId xmlns:a16="http://schemas.microsoft.com/office/drawing/2014/main" id="{4C60EA10-FCDB-AB41-4010-8A43E73359F5}"/>
               </a:ext>
             </a:extLst>
           </p:cNvPr>
@@ -2699,7 +2699,7 @@
           <p:cNvPr id="7" name="灯片编号占位符 6">
             <a:extLst>
               <a:ext uri="{FF2B5EF4-FFF2-40B4-BE49-F238E27FC236}">
-                <a16:creationId xmlns:a16="http://schemas.microsoft.com/office/drawing/2014/main" id="{8EA2C580-75C2-1341-F4EE-8DB1692064B4}"/>
+                <a16:creationId xmlns:a16="http://schemas.microsoft.com/office/drawing/2014/main" id="{A5AFF380-65CA-4ABF-BFD1-B215636B5DA6}"/>
               </a:ext>
             </a:extLst>
           </p:cNvPr>
@@ -2715,7 +2715,7 @@
           <a:bodyPr/>
           <a:lstStyle/>
           <a:p>
-            <a:fld id="{047BFF20-3144-4B98-810C-13F044DAAAE7}" type="slidenum">
+            <a:fld id="{3BF5E97E-3A62-4256-8623-7A6EC0778C54}" type="slidenum">
               <a:rPr lang="zh-CN" altLang="en-US" smtClean="0"/>
               <a:t>‹#›</a:t>
             </a:fld>
@@ -2726,7 +2726,7 @@
     </p:spTree>
     <p:extLst>
       <p:ext uri="{BB962C8B-B14F-4D97-AF65-F5344CB8AC3E}">
-        <p14:creationId xmlns:p14="http://schemas.microsoft.com/office/powerpoint/2010/main" val="3877345393"/>
+        <p14:creationId xmlns:p14="http://schemas.microsoft.com/office/powerpoint/2010/main" val="1468334429"/>
       </p:ext>
     </p:extLst>
   </p:cSld>
@@ -2763,7 +2763,7 @@
           <p:cNvPr id="2" name="标题占位符 1">
             <a:extLst>
               <a:ext uri="{FF2B5EF4-FFF2-40B4-BE49-F238E27FC236}">
-                <a16:creationId xmlns:a16="http://schemas.microsoft.com/office/drawing/2014/main" id="{B2BC9171-FDF7-E321-5D37-B931D3014324}"/>
+                <a16:creationId xmlns:a16="http://schemas.microsoft.com/office/drawing/2014/main" id="{1A5384E9-1BA5-EEB6-EC36-D7B63D470047}"/>
               </a:ext>
             </a:extLst>
           </p:cNvPr>
@@ -2801,7 +2801,7 @@
           <p:cNvPr id="3" name="文本占位符 2">
             <a:extLst>
               <a:ext uri="{FF2B5EF4-FFF2-40B4-BE49-F238E27FC236}">
-                <a16:creationId xmlns:a16="http://schemas.microsoft.com/office/drawing/2014/main" id="{5CF12636-3DB6-068D-483A-DC24F820194A}"/>
+                <a16:creationId xmlns:a16="http://schemas.microsoft.com/office/drawing/2014/main" id="{FC418E7F-C499-D5D8-075A-D9C323733A34}"/>
               </a:ext>
             </a:extLst>
           </p:cNvPr>
@@ -2868,7 +2868,7 @@
           <p:cNvPr id="4" name="日期占位符 3">
             <a:extLst>
               <a:ext uri="{FF2B5EF4-FFF2-40B4-BE49-F238E27FC236}">
-                <a16:creationId xmlns:a16="http://schemas.microsoft.com/office/drawing/2014/main" id="{12980653-4A46-34F3-A310-E66E9A0D4C5E}"/>
+                <a16:creationId xmlns:a16="http://schemas.microsoft.com/office/drawing/2014/main" id="{C45FC9FA-7F9F-6F3C-888A-E57A91F14691}"/>
               </a:ext>
             </a:extLst>
           </p:cNvPr>
@@ -2902,7 +2902,7 @@
             </a:lvl1pPr>
           </a:lstStyle>
           <a:p>
-            <a:fld id="{273CDDEA-A94A-45D9-8272-491B3F8493FF}" type="datetimeFigureOut">
+            <a:fld id="{208327B2-0992-445C-AE4E-EE1C6A118904}" type="datetimeFigureOut">
               <a:rPr lang="zh-CN" altLang="en-US" smtClean="0"/>
               <a:t>2024/3/10</a:t>
             </a:fld>
@@ -2915,7 +2915,7 @@
           <p:cNvPr id="5" name="页脚占位符 4">
             <a:extLst>
               <a:ext uri="{FF2B5EF4-FFF2-40B4-BE49-F238E27FC236}">
-                <a16:creationId xmlns:a16="http://schemas.microsoft.com/office/drawing/2014/main" id="{49021790-3A42-EBA3-9B1D-2D27006D146B}"/>
+                <a16:creationId xmlns:a16="http://schemas.microsoft.com/office/drawing/2014/main" id="{F17410D0-77D7-20C0-4299-F8442D21EA47}"/>
               </a:ext>
             </a:extLst>
           </p:cNvPr>
@@ -2958,7 +2958,7 @@
           <p:cNvPr id="6" name="灯片编号占位符 5">
             <a:extLst>
               <a:ext uri="{FF2B5EF4-FFF2-40B4-BE49-F238E27FC236}">
-                <a16:creationId xmlns:a16="http://schemas.microsoft.com/office/drawing/2014/main" id="{793FE174-763B-143C-093C-7A3356408F49}"/>
+                <a16:creationId xmlns:a16="http://schemas.microsoft.com/office/drawing/2014/main" id="{04D2AA2B-B27E-2C56-91B1-6C3F3FF5419C}"/>
               </a:ext>
             </a:extLst>
           </p:cNvPr>
@@ -2992,7 +2992,7 @@
             </a:lvl1pPr>
           </a:lstStyle>
           <a:p>
-            <a:fld id="{047BFF20-3144-4B98-810C-13F044DAAAE7}" type="slidenum">
+            <a:fld id="{3BF5E97E-3A62-4256-8623-7A6EC0778C54}" type="slidenum">
               <a:rPr lang="zh-CN" altLang="en-US" smtClean="0"/>
               <a:t>‹#›</a:t>
             </a:fld>
@@ -3003,7 +3003,7 @@
     </p:spTree>
     <p:extLst>
       <p:ext uri="{BB962C8B-B14F-4D97-AF65-F5344CB8AC3E}">
-        <p14:creationId xmlns:p14="http://schemas.microsoft.com/office/powerpoint/2010/main" val="2784975763"/>
+        <p14:creationId xmlns:p14="http://schemas.microsoft.com/office/powerpoint/2010/main" val="2220154177"/>
       </p:ext>
     </p:extLst>
   </p:cSld>
